--- a/cst391/milestone/docs/SoulJournal.pptx
+++ b/cst391/milestone/docs/SoulJournal.pptx
@@ -111,6 +111,11 @@
       </a:defRPr>
     </a:lvl9pPr>
   </p:defaultTextStyle>
+  <p:extLst>
+    <p:ext uri="{EFAFB233-063F-42B5-8137-9DF3F51BA10A}">
+      <p15:sldGuideLst xmlns:p15="http://schemas.microsoft.com/office/powerpoint/2012/main"/>
+    </p:ext>
+  </p:extLst>
 </p:presentation>
 </file>
 
@@ -196,7 +201,7 @@
           <a:p>
             <a:fld id="{82952C1F-18B7-413F-9281-C81707C0775A}" type="datetimeFigureOut">
               <a:rPr lang="en-US" smtClean="0"/>
-              <a:t>1/15/2024</a:t>
+              <a:t>1/29/2024</a:t>
             </a:fld>
             <a:endParaRPr lang="en-US"/>
           </a:p>
@@ -695,7 +700,7 @@
           <a:p>
             <a:r>
               <a:rPr lang="en-US" dirty="0"/>
-              <a:t>My current issues involve errors with imports in my controller classes. When trying to import from another file, it says “cannot find module”. I added these imports the same way as the example from Activity1, but have been unable to solve this error. Another issue is that my code does not currently connect to the database properly. I am currently working on understanding how to connect the application to the database.</a:t>
+              <a:t>I am currently working on understanding how to connect the application to the database in the API. I had copied the files and thought I fixed the issue, but the data is still not being shared. I also have errors in my app that I’m working on fixing.</a:t>
             </a:r>
           </a:p>
         </p:txBody>
@@ -782,7 +787,7 @@
           <a:p>
             <a:r>
               <a:rPr lang="en-US" dirty="0"/>
-              <a:t>Although it is not necessarily a lesson learned, this milestone emphasized the importance of utilizing all of the given resources to complete the deliverables. One action that helped me with this milestone is gathering what questions I have (regarding concepts and terms) after reading the instructions and finding the answer to those questions before starting the work. This helped me ensure that I had a better understanding of the assignment, which led to less frustration.</a:t>
+              <a:t>These last few weeks I was able to get a better understanding of how the data is moved around the application. Such as through imports and exports. Although I’m still not confident, I also have a better understanding of how to create routes in the code. </a:t>
             </a:r>
           </a:p>
         </p:txBody>
@@ -970,7 +975,7 @@
           <a:p>
             <a:fld id="{F024215E-F87F-4703-AA25-D445C2E6E6CC}" type="datetimeFigureOut">
               <a:rPr lang="en-US" smtClean="0"/>
-              <a:t>1/15/2024</a:t>
+              <a:t>1/29/2024</a:t>
             </a:fld>
             <a:endParaRPr lang="en-US"/>
           </a:p>
@@ -1168,7 +1173,7 @@
           <a:p>
             <a:fld id="{F024215E-F87F-4703-AA25-D445C2E6E6CC}" type="datetimeFigureOut">
               <a:rPr lang="en-US" smtClean="0"/>
-              <a:t>1/15/2024</a:t>
+              <a:t>1/29/2024</a:t>
             </a:fld>
             <a:endParaRPr lang="en-US"/>
           </a:p>
@@ -1376,7 +1381,7 @@
           <a:p>
             <a:fld id="{F024215E-F87F-4703-AA25-D445C2E6E6CC}" type="datetimeFigureOut">
               <a:rPr lang="en-US" smtClean="0"/>
-              <a:t>1/15/2024</a:t>
+              <a:t>1/29/2024</a:t>
             </a:fld>
             <a:endParaRPr lang="en-US"/>
           </a:p>
@@ -1574,7 +1579,7 @@
           <a:p>
             <a:fld id="{F024215E-F87F-4703-AA25-D445C2E6E6CC}" type="datetimeFigureOut">
               <a:rPr lang="en-US" smtClean="0"/>
-              <a:t>1/15/2024</a:t>
+              <a:t>1/29/2024</a:t>
             </a:fld>
             <a:endParaRPr lang="en-US"/>
           </a:p>
@@ -1849,7 +1854,7 @@
           <a:p>
             <a:fld id="{F024215E-F87F-4703-AA25-D445C2E6E6CC}" type="datetimeFigureOut">
               <a:rPr lang="en-US" smtClean="0"/>
-              <a:t>1/15/2024</a:t>
+              <a:t>1/29/2024</a:t>
             </a:fld>
             <a:endParaRPr lang="en-US"/>
           </a:p>
@@ -2114,7 +2119,7 @@
           <a:p>
             <a:fld id="{F024215E-F87F-4703-AA25-D445C2E6E6CC}" type="datetimeFigureOut">
               <a:rPr lang="en-US" smtClean="0"/>
-              <a:t>1/15/2024</a:t>
+              <a:t>1/29/2024</a:t>
             </a:fld>
             <a:endParaRPr lang="en-US"/>
           </a:p>
@@ -2526,7 +2531,7 @@
           <a:p>
             <a:fld id="{F024215E-F87F-4703-AA25-D445C2E6E6CC}" type="datetimeFigureOut">
               <a:rPr lang="en-US" smtClean="0"/>
-              <a:t>1/15/2024</a:t>
+              <a:t>1/29/2024</a:t>
             </a:fld>
             <a:endParaRPr lang="en-US"/>
           </a:p>
@@ -2667,7 +2672,7 @@
           <a:p>
             <a:fld id="{F024215E-F87F-4703-AA25-D445C2E6E6CC}" type="datetimeFigureOut">
               <a:rPr lang="en-US" smtClean="0"/>
-              <a:t>1/15/2024</a:t>
+              <a:t>1/29/2024</a:t>
             </a:fld>
             <a:endParaRPr lang="en-US"/>
           </a:p>
@@ -2780,7 +2785,7 @@
           <a:p>
             <a:fld id="{F024215E-F87F-4703-AA25-D445C2E6E6CC}" type="datetimeFigureOut">
               <a:rPr lang="en-US" smtClean="0"/>
-              <a:t>1/15/2024</a:t>
+              <a:t>1/29/2024</a:t>
             </a:fld>
             <a:endParaRPr lang="en-US"/>
           </a:p>
@@ -3091,7 +3096,7 @@
           <a:p>
             <a:fld id="{F024215E-F87F-4703-AA25-D445C2E6E6CC}" type="datetimeFigureOut">
               <a:rPr lang="en-US" smtClean="0"/>
-              <a:t>1/15/2024</a:t>
+              <a:t>1/29/2024</a:t>
             </a:fld>
             <a:endParaRPr lang="en-US"/>
           </a:p>
@@ -3379,7 +3384,7 @@
           <a:p>
             <a:fld id="{F024215E-F87F-4703-AA25-D445C2E6E6CC}" type="datetimeFigureOut">
               <a:rPr lang="en-US" smtClean="0"/>
-              <a:t>1/15/2024</a:t>
+              <a:t>1/29/2024</a:t>
             </a:fld>
             <a:endParaRPr lang="en-US"/>
           </a:p>
@@ -3620,7 +3625,7 @@
           <a:p>
             <a:fld id="{F024215E-F87F-4703-AA25-D445C2E6E6CC}" type="datetimeFigureOut">
               <a:rPr lang="en-US" smtClean="0"/>
-              <a:t>1/15/2024</a:t>
+              <a:t>1/29/2024</a:t>
             </a:fld>
             <a:endParaRPr lang="en-US"/>
           </a:p>
@@ -4459,7 +4464,7 @@
               <a:buChar char="•"/>
             </a:pPr>
             <a:r>
-              <a:rPr lang="en-US" sz="2000"/>
+              <a:rPr lang="en-US" sz="2000" dirty="0"/>
               <a:t>Dempsey Evans</a:t>
             </a:r>
           </a:p>
@@ -4469,7 +4474,7 @@
               <a:buChar char="•"/>
             </a:pPr>
             <a:r>
-              <a:rPr lang="en-US" sz="2000"/>
+              <a:rPr lang="en-US" sz="2000" dirty="0"/>
               <a:t>CST-391</a:t>
             </a:r>
           </a:p>
@@ -4479,9 +4484,14 @@
               <a:buChar char="•"/>
             </a:pPr>
             <a:r>
-              <a:rPr lang="en-US" sz="2000"/>
-              <a:t>Professor Estey</a:t>
-            </a:r>
+              <a:rPr lang="en-US" sz="2000" dirty="0"/>
+              <a:t>Professor </a:t>
+            </a:r>
+            <a:r>
+              <a:rPr lang="en-US" sz="2000" dirty="0" err="1"/>
+              <a:t>Estey</a:t>
+            </a:r>
+            <a:endParaRPr lang="en-US" sz="2000" dirty="0"/>
           </a:p>
           <a:p>
             <a:pPr indent="-228600" algn="l">
@@ -4489,15 +4499,15 @@
               <a:buChar char="•"/>
             </a:pPr>
             <a:r>
-              <a:rPr lang="en-US" sz="2000"/>
-              <a:t>January 14</a:t>
-            </a:r>
-            <a:r>
-              <a:rPr lang="en-US" sz="2000" baseline="30000"/>
+              <a:rPr lang="en-US" sz="2000" dirty="0"/>
+              <a:t>January 29</a:t>
+            </a:r>
+            <a:r>
+              <a:rPr lang="en-US" sz="2000" baseline="30000" dirty="0"/>
               <a:t>th</a:t>
             </a:r>
             <a:r>
-              <a:rPr lang="en-US" sz="2000"/>
+              <a:rPr lang="en-US" sz="2000" dirty="0"/>
               <a:t>, 2024</a:t>
             </a:r>
           </a:p>
@@ -5114,15 +5124,40 @@
           <a:lstStyle/>
           <a:p>
             <a:r>
-              <a:rPr lang="en-US" sz="2400"/>
+              <a:rPr lang="en-US" sz="2400" dirty="0"/>
               <a:t>MySQL</a:t>
+            </a:r>
+          </a:p>
+          <a:p>
+            <a:r>
+              <a:rPr lang="en-US" sz="2400" dirty="0"/>
+              <a:t>Errors in </a:t>
+            </a:r>
+            <a:r>
+              <a:rPr lang="en-US" sz="2400" dirty="0" err="1"/>
+              <a:t>soulJournalApp</a:t>
+            </a:r>
+            <a:endParaRPr lang="en-US" sz="2400" dirty="0"/>
+          </a:p>
+          <a:p>
+            <a:pPr lvl="1"/>
+            <a:r>
+              <a:rPr lang="en-US" sz="2000" dirty="0"/>
+              <a:t>“No Export Member”</a:t>
+            </a:r>
+          </a:p>
+          <a:p>
+            <a:pPr lvl="1"/>
+            <a:r>
+              <a:rPr lang="en-US" sz="2000" dirty="0"/>
+              <a:t>Creating routes</a:t>
             </a:r>
           </a:p>
           <a:p>
             <a:pPr marL="0" indent="0">
               <a:buNone/>
             </a:pPr>
-            <a:endParaRPr lang="en-US" sz="2400"/>
+            <a:endParaRPr lang="en-US" sz="2400" dirty="0"/>
           </a:p>
         </p:txBody>
       </p:sp>
@@ -5309,14 +5344,26 @@
           <a:lstStyle/>
           <a:p>
             <a:r>
-              <a:rPr lang="en-US" sz="2000"/>
-              <a:t>Import errors</a:t>
-            </a:r>
-          </a:p>
-          <a:p>
-            <a:r>
-              <a:rPr lang="en-US" sz="2000"/>
+              <a:rPr lang="en-US" sz="2000" dirty="0"/>
               <a:t>MySQL</a:t>
+            </a:r>
+          </a:p>
+          <a:p>
+            <a:r>
+              <a:rPr lang="en-US" sz="2000" dirty="0"/>
+              <a:t>Routes still being created</a:t>
+            </a:r>
+          </a:p>
+          <a:p>
+            <a:r>
+              <a:rPr lang="en-US" sz="2000" dirty="0"/>
+              <a:t>“No Export Member” error</a:t>
+            </a:r>
+          </a:p>
+          <a:p>
+            <a:r>
+              <a:rPr lang="en-US" sz="2000" dirty="0"/>
+              <a:t>Errors in entry and post components</a:t>
             </a:r>
           </a:p>
         </p:txBody>
@@ -5765,14 +5812,14 @@
           <a:lstStyle/>
           <a:p>
             <a:r>
-              <a:rPr lang="en-US" sz="2400"/>
-              <a:t>Utilize all of the resources</a:t>
-            </a:r>
-          </a:p>
-          <a:p>
-            <a:r>
-              <a:rPr lang="en-US" sz="2400"/>
-              <a:t>Find the answers to questions first</a:t>
+              <a:rPr lang="en-US" sz="2400" dirty="0"/>
+              <a:t>Better understand how data is passed</a:t>
+            </a:r>
+          </a:p>
+          <a:p>
+            <a:r>
+              <a:rPr lang="en-US" sz="2400" dirty="0"/>
+              <a:t>Better understanding of how to set up routes</a:t>
             </a:r>
           </a:p>
         </p:txBody>
